--- a/projects/diffusion_processes/final_project/diffusion_processes_project.pptx
+++ b/projects/diffusion_processes/final_project/diffusion_processes_project.pptx
@@ -104,6 +104,11 @@
       </a:defRPr>
     </a:lvl9pPr>
   </p:defaultTextStyle>
+  <p:extLst>
+    <p:ext uri="{EFAFB233-063F-42B5-8137-9DF3F51BA10A}">
+      <p15:sldGuideLst xmlns:p15="http://schemas.microsoft.com/office/powerpoint/2012/main"/>
+    </p:ext>
+  </p:extLst>
 </p:presentation>
 </file>
 
@@ -256,7 +261,7 @@
           <a:p>
             <a:fld id="{29224E93-9D09-6442-9F68-00236B9261E1}" type="datetimeFigureOut">
               <a:rPr lang="en-NL" smtClean="0"/>
-              <a:t>30/06/2024</a:t>
+              <a:t>01/07/2024</a:t>
             </a:fld>
             <a:endParaRPr lang="en-NL"/>
           </a:p>
@@ -456,7 +461,7 @@
           <a:p>
             <a:fld id="{29224E93-9D09-6442-9F68-00236B9261E1}" type="datetimeFigureOut">
               <a:rPr lang="en-NL" smtClean="0"/>
-              <a:t>30/06/2024</a:t>
+              <a:t>01/07/2024</a:t>
             </a:fld>
             <a:endParaRPr lang="en-NL"/>
           </a:p>
@@ -666,7 +671,7 @@
           <a:p>
             <a:fld id="{29224E93-9D09-6442-9F68-00236B9261E1}" type="datetimeFigureOut">
               <a:rPr lang="en-NL" smtClean="0"/>
-              <a:t>30/06/2024</a:t>
+              <a:t>01/07/2024</a:t>
             </a:fld>
             <a:endParaRPr lang="en-NL"/>
           </a:p>
@@ -866,7 +871,7 @@
           <a:p>
             <a:fld id="{29224E93-9D09-6442-9F68-00236B9261E1}" type="datetimeFigureOut">
               <a:rPr lang="en-NL" smtClean="0"/>
-              <a:t>30/06/2024</a:t>
+              <a:t>01/07/2024</a:t>
             </a:fld>
             <a:endParaRPr lang="en-NL"/>
           </a:p>
@@ -1142,7 +1147,7 @@
           <a:p>
             <a:fld id="{29224E93-9D09-6442-9F68-00236B9261E1}" type="datetimeFigureOut">
               <a:rPr lang="en-NL" smtClean="0"/>
-              <a:t>30/06/2024</a:t>
+              <a:t>01/07/2024</a:t>
             </a:fld>
             <a:endParaRPr lang="en-NL"/>
           </a:p>
@@ -1410,7 +1415,7 @@
           <a:p>
             <a:fld id="{29224E93-9D09-6442-9F68-00236B9261E1}" type="datetimeFigureOut">
               <a:rPr lang="en-NL" smtClean="0"/>
-              <a:t>30/06/2024</a:t>
+              <a:t>01/07/2024</a:t>
             </a:fld>
             <a:endParaRPr lang="en-NL"/>
           </a:p>
@@ -1825,7 +1830,7 @@
           <a:p>
             <a:fld id="{29224E93-9D09-6442-9F68-00236B9261E1}" type="datetimeFigureOut">
               <a:rPr lang="en-NL" smtClean="0"/>
-              <a:t>30/06/2024</a:t>
+              <a:t>01/07/2024</a:t>
             </a:fld>
             <a:endParaRPr lang="en-NL"/>
           </a:p>
@@ -1967,7 +1972,7 @@
           <a:p>
             <a:fld id="{29224E93-9D09-6442-9F68-00236B9261E1}" type="datetimeFigureOut">
               <a:rPr lang="en-NL" smtClean="0"/>
-              <a:t>30/06/2024</a:t>
+              <a:t>01/07/2024</a:t>
             </a:fld>
             <a:endParaRPr lang="en-NL"/>
           </a:p>
@@ -2080,7 +2085,7 @@
           <a:p>
             <a:fld id="{29224E93-9D09-6442-9F68-00236B9261E1}" type="datetimeFigureOut">
               <a:rPr lang="en-NL" smtClean="0"/>
-              <a:t>30/06/2024</a:t>
+              <a:t>01/07/2024</a:t>
             </a:fld>
             <a:endParaRPr lang="en-NL"/>
           </a:p>
@@ -2393,7 +2398,7 @@
           <a:p>
             <a:fld id="{29224E93-9D09-6442-9F68-00236B9261E1}" type="datetimeFigureOut">
               <a:rPr lang="en-NL" smtClean="0"/>
-              <a:t>30/06/2024</a:t>
+              <a:t>01/07/2024</a:t>
             </a:fld>
             <a:endParaRPr lang="en-NL"/>
           </a:p>
@@ -2682,7 +2687,7 @@
           <a:p>
             <a:fld id="{29224E93-9D09-6442-9F68-00236B9261E1}" type="datetimeFigureOut">
               <a:rPr lang="en-NL" smtClean="0"/>
-              <a:t>30/06/2024</a:t>
+              <a:t>01/07/2024</a:t>
             </a:fld>
             <a:endParaRPr lang="en-NL"/>
           </a:p>
@@ -2925,7 +2930,7 @@
           <a:p>
             <a:fld id="{29224E93-9D09-6442-9F68-00236B9261E1}" type="datetimeFigureOut">
               <a:rPr lang="en-NL" smtClean="0"/>
-              <a:t>30/06/2024</a:t>
+              <a:t>01/07/2024</a:t>
             </a:fld>
             <a:endParaRPr lang="en-NL"/>
           </a:p>
@@ -3434,7 +3439,7 @@
         </p:blipFill>
         <p:spPr>
           <a:xfrm>
-            <a:off x="1971774" y="22718884"/>
+            <a:off x="1216533" y="21709889"/>
             <a:ext cx="8337109" cy="5558073"/>
           </a:xfrm>
           <a:prstGeom prst="rect">
@@ -3464,7 +3469,7 @@
         </p:blipFill>
         <p:spPr>
           <a:xfrm>
-            <a:off x="10912231" y="22718884"/>
+            <a:off x="10912232" y="21709891"/>
             <a:ext cx="8337110" cy="5558073"/>
           </a:xfrm>
           <a:prstGeom prst="rect">
@@ -3494,7 +3499,7 @@
         </p:blipFill>
         <p:spPr>
           <a:xfrm>
-            <a:off x="19852689" y="22718883"/>
+            <a:off x="20721574" y="21709890"/>
             <a:ext cx="8337110" cy="5558073"/>
           </a:xfrm>
           <a:prstGeom prst="rect">
@@ -3524,7 +3529,7 @@
         </p:blipFill>
         <p:spPr>
           <a:xfrm>
-            <a:off x="2000185" y="29523456"/>
+            <a:off x="1244944" y="28514461"/>
             <a:ext cx="8337109" cy="5558073"/>
           </a:xfrm>
           <a:prstGeom prst="rect">
@@ -3554,7 +3559,7 @@
         </p:blipFill>
         <p:spPr>
           <a:xfrm>
-            <a:off x="10940643" y="29523454"/>
+            <a:off x="10940644" y="28514461"/>
             <a:ext cx="8337109" cy="5558073"/>
           </a:xfrm>
           <a:prstGeom prst="rect">
@@ -3584,7 +3589,7 @@
         </p:blipFill>
         <p:spPr>
           <a:xfrm>
-            <a:off x="19881102" y="29523455"/>
+            <a:off x="20749987" y="28514462"/>
             <a:ext cx="8337108" cy="5558072"/>
           </a:xfrm>
           <a:prstGeom prst="rect">
@@ -3614,7 +3619,7 @@
         </p:blipFill>
         <p:spPr>
           <a:xfrm>
-            <a:off x="2000191" y="36384668"/>
+            <a:off x="1244950" y="35375673"/>
             <a:ext cx="8337107" cy="5558071"/>
           </a:xfrm>
           <a:prstGeom prst="rect">
@@ -3644,7 +3649,7 @@
         </p:blipFill>
         <p:spPr>
           <a:xfrm>
-            <a:off x="10969053" y="36384668"/>
+            <a:off x="10969054" y="35375675"/>
             <a:ext cx="8337107" cy="5558071"/>
           </a:xfrm>
           <a:prstGeom prst="rect">
@@ -3674,7 +3679,7 @@
         </p:blipFill>
         <p:spPr>
           <a:xfrm>
-            <a:off x="19881104" y="36384668"/>
+            <a:off x="20749989" y="35375675"/>
             <a:ext cx="8337106" cy="5558071"/>
           </a:xfrm>
           <a:prstGeom prst="rect">
@@ -3696,7 +3701,7 @@
         </p:nvSpPr>
         <p:spPr>
           <a:xfrm>
-            <a:off x="-28409" y="21887886"/>
+            <a:off x="-28408" y="20878893"/>
             <a:ext cx="30275212" cy="830997"/>
           </a:xfrm>
           <a:prstGeom prst="rect">
@@ -3732,7 +3737,7 @@
         </p:nvSpPr>
         <p:spPr>
           <a:xfrm>
-            <a:off x="-28409" y="28692456"/>
+            <a:off x="-28408" y="27683463"/>
             <a:ext cx="30275212" cy="830997"/>
           </a:xfrm>
           <a:prstGeom prst="rect">
@@ -3768,7 +3773,7 @@
         </p:nvSpPr>
         <p:spPr>
           <a:xfrm>
-            <a:off x="0" y="35553669"/>
+            <a:off x="1" y="34544676"/>
             <a:ext cx="30275212" cy="830997"/>
           </a:xfrm>
           <a:prstGeom prst="rect">
@@ -3787,6 +3792,403 @@
               <a:rPr lang="en-NL" sz="4800" dirty="0"/>
               <a:t>Watts-Strogatz graph</a:t>
             </a:r>
+          </a:p>
+        </p:txBody>
+      </p:sp>
+      <p:sp>
+        <p:nvSpPr>
+          <p:cNvPr id="4" name="TextBox 3">
+            <a:extLst>
+              <a:ext uri="{FF2B5EF4-FFF2-40B4-BE49-F238E27FC236}">
+                <a16:creationId xmlns:a16="http://schemas.microsoft.com/office/drawing/2014/main" id="{27AB66A1-08D3-35A3-C67A-615555C48074}"/>
+              </a:ext>
+            </a:extLst>
+          </p:cNvPr>
+          <p:cNvSpPr txBox="1"/>
+          <p:nvPr/>
+        </p:nvSpPr>
+        <p:spPr>
+          <a:xfrm>
+            <a:off x="1244943" y="2558364"/>
+            <a:ext cx="15137606" cy="7540526"/>
+          </a:xfrm>
+          <a:prstGeom prst="rect">
+            <a:avLst/>
+          </a:prstGeom>
+          <a:noFill/>
+        </p:spPr>
+        <p:txBody>
+          <a:bodyPr wrap="square" rtlCol="0">
+            <a:spAutoFit/>
+          </a:bodyPr>
+          <a:lstStyle/>
+          <a:p>
+            <a:r>
+              <a:rPr lang="en-NL" sz="4400" dirty="0"/>
+              <a:t>Models:</a:t>
+            </a:r>
+          </a:p>
+          <a:p>
+            <a:pPr marL="571500" indent="-571500">
+              <a:buFont typeface="Arial" panose="020B0604020202020204" pitchFamily="34" charset="0"/>
+              <a:buChar char="•"/>
+            </a:pPr>
+            <a:r>
+              <a:rPr lang="en-GB" sz="4400" dirty="0"/>
+              <a:t>Threshold</a:t>
+            </a:r>
+            <a:r>
+              <a:rPr lang="en-NL" sz="4400" dirty="0"/>
+              <a:t> – passive adoption based on the percentage </a:t>
+            </a:r>
+            <a:br>
+              <a:rPr lang="en-NL" sz="4400" dirty="0"/>
+            </a:br>
+            <a:r>
+              <a:rPr lang="en-NL" sz="4400" dirty="0"/>
+              <a:t>of adopted neighbours </a:t>
+            </a:r>
+          </a:p>
+          <a:p>
+            <a:pPr marL="571500" indent="-571500">
+              <a:buFont typeface="Arial" panose="020B0604020202020204" pitchFamily="34" charset="0"/>
+              <a:buChar char="•"/>
+            </a:pPr>
+            <a:r>
+              <a:rPr lang="en-NL" sz="4400" dirty="0"/>
+              <a:t>Profile – active adoption based on own preferences, and a chance for getting immunized</a:t>
+            </a:r>
+          </a:p>
+          <a:p>
+            <a:pPr marL="571500" indent="-571500">
+              <a:buFont typeface="Arial" panose="020B0604020202020204" pitchFamily="34" charset="0"/>
+              <a:buChar char="•"/>
+            </a:pPr>
+            <a:r>
+              <a:rPr lang="en-NL" sz="4400" dirty="0"/>
+              <a:t>Profile-Threshold – mixed behaviour of Threshold and Profile</a:t>
+            </a:r>
+          </a:p>
+          <a:p>
+            <a:pPr marL="571500" indent="-571500">
+              <a:buFont typeface="Arial" panose="020B0604020202020204" pitchFamily="34" charset="0"/>
+              <a:buChar char="•"/>
+            </a:pPr>
+            <a:r>
+              <a:rPr lang="en-NL" sz="4400" dirty="0"/>
+              <a:t>Profile-Threshold-Cure – additionally, a node can become spontaneously uninfected (cured)</a:t>
+            </a:r>
+          </a:p>
+          <a:p>
+            <a:pPr marL="571500" indent="-571500">
+              <a:buFont typeface="Arial" panose="020B0604020202020204" pitchFamily="34" charset="0"/>
+              <a:buChar char="•"/>
+            </a:pPr>
+            <a:endParaRPr lang="en-NL" sz="4400" dirty="0"/>
+          </a:p>
+          <a:p>
+            <a:r>
+              <a:rPr lang="en-NL" sz="4400" dirty="0"/>
+              <a:t>Additional Influence:</a:t>
+            </a:r>
+          </a:p>
+          <a:p>
+            <a:pPr marL="571500" indent="-571500">
+              <a:buFont typeface="Arial" panose="020B0604020202020204" pitchFamily="34" charset="0"/>
+              <a:buChar char="•"/>
+            </a:pPr>
+            <a:r>
+              <a:rPr lang="en-NL" sz="4400" dirty="0"/>
+              <a:t>Spontaneous adoption – adoption with a fixed probability</a:t>
+            </a:r>
+          </a:p>
+        </p:txBody>
+      </p:sp>
+      <p:sp>
+        <p:nvSpPr>
+          <p:cNvPr id="6" name="TextBox 5">
+            <a:extLst>
+              <a:ext uri="{FF2B5EF4-FFF2-40B4-BE49-F238E27FC236}">
+                <a16:creationId xmlns:a16="http://schemas.microsoft.com/office/drawing/2014/main" id="{CE0CF39A-5305-3D81-216F-C31528D77718}"/>
+              </a:ext>
+            </a:extLst>
+          </p:cNvPr>
+          <p:cNvSpPr txBox="1"/>
+          <p:nvPr/>
+        </p:nvSpPr>
+        <p:spPr>
+          <a:xfrm>
+            <a:off x="17883386" y="2558364"/>
+            <a:ext cx="11203708" cy="2800767"/>
+          </a:xfrm>
+          <a:prstGeom prst="rect">
+            <a:avLst/>
+          </a:prstGeom>
+          <a:noFill/>
+        </p:spPr>
+        <p:txBody>
+          <a:bodyPr wrap="square" rtlCol="0">
+            <a:spAutoFit/>
+          </a:bodyPr>
+          <a:lstStyle/>
+          <a:p>
+            <a:r>
+              <a:rPr lang="en-NL" sz="4400" dirty="0"/>
+              <a:t>Graphs:</a:t>
+            </a:r>
+          </a:p>
+          <a:p>
+            <a:pPr marL="571500" indent="-571500">
+              <a:buFont typeface="Arial" panose="020B0604020202020204" pitchFamily="34" charset="0"/>
+              <a:buChar char="•"/>
+            </a:pPr>
+            <a:r>
+              <a:rPr lang="en-NL" sz="4400" dirty="0"/>
+              <a:t>Barabasi-Albert with n=63392, m=13</a:t>
+            </a:r>
+            <a:endParaRPr lang="en-NL" sz="4400" dirty="0">
+              <a:solidFill>
+                <a:srgbClr val="BCBEC4"/>
+              </a:solidFill>
+              <a:highlight>
+                <a:srgbClr val="1E1F22"/>
+              </a:highlight>
+            </a:endParaRPr>
+          </a:p>
+          <a:p>
+            <a:pPr marL="571500" indent="-571500">
+              <a:buFont typeface="Arial" panose="020B0604020202020204" pitchFamily="34" charset="0"/>
+              <a:buChar char="•"/>
+            </a:pPr>
+            <a:r>
+              <a:rPr lang="en-NL" sz="4400" dirty="0"/>
+              <a:t>Erdos-Renyi with n=63392, p=0.0004</a:t>
+            </a:r>
+          </a:p>
+          <a:p>
+            <a:pPr marL="571500" indent="-571500">
+              <a:buFont typeface="Arial" panose="020B0604020202020204" pitchFamily="34" charset="0"/>
+              <a:buChar char="•"/>
+            </a:pPr>
+            <a:r>
+              <a:rPr lang="en-NL" sz="4400" dirty="0"/>
+              <a:t>Watts-Strogatz with n=63392, k=13, p=0.01</a:t>
+            </a:r>
+          </a:p>
+        </p:txBody>
+      </p:sp>
+      <p:sp>
+        <p:nvSpPr>
+          <p:cNvPr id="10" name="TextBox 9">
+            <a:extLst>
+              <a:ext uri="{FF2B5EF4-FFF2-40B4-BE49-F238E27FC236}">
+                <a16:creationId xmlns:a16="http://schemas.microsoft.com/office/drawing/2014/main" id="{F84BC45B-CB82-5E75-6106-D057D5100CE4}"/>
+              </a:ext>
+            </a:extLst>
+          </p:cNvPr>
+          <p:cNvSpPr txBox="1"/>
+          <p:nvPr/>
+        </p:nvSpPr>
+        <p:spPr>
+          <a:xfrm>
+            <a:off x="2412460" y="41319007"/>
+            <a:ext cx="7141182" cy="954107"/>
+          </a:xfrm>
+          <a:prstGeom prst="rect">
+            <a:avLst/>
+          </a:prstGeom>
+          <a:noFill/>
+        </p:spPr>
+        <p:txBody>
+          <a:bodyPr wrap="square" rtlCol="0">
+            <a:spAutoFit/>
+          </a:bodyPr>
+          <a:lstStyle/>
+          <a:p>
+            <a:pPr algn="ctr"/>
+            <a:r>
+              <a:rPr lang="en-NL" sz="2800" dirty="0"/>
+              <a:t>Parameter set 1:</a:t>
+            </a:r>
+          </a:p>
+          <a:p>
+            <a:pPr algn="ctr"/>
+            <a:r>
+              <a:rPr lang="en-NL" sz="2800" dirty="0"/>
+              <a:t>T=0.1, P=0.8, I=0.05, S=0, C=0</a:t>
+            </a:r>
+          </a:p>
+        </p:txBody>
+      </p:sp>
+      <p:sp>
+        <p:nvSpPr>
+          <p:cNvPr id="11" name="TextBox 10">
+            <a:extLst>
+              <a:ext uri="{FF2B5EF4-FFF2-40B4-BE49-F238E27FC236}">
+                <a16:creationId xmlns:a16="http://schemas.microsoft.com/office/drawing/2014/main" id="{7E3D8486-7DB5-04FF-A7FC-48C4404E5457}"/>
+              </a:ext>
+            </a:extLst>
+          </p:cNvPr>
+          <p:cNvSpPr txBox="1"/>
+          <p:nvPr/>
+        </p:nvSpPr>
+        <p:spPr>
+          <a:xfrm>
+            <a:off x="12108160" y="41319007"/>
+            <a:ext cx="7141182" cy="954107"/>
+          </a:xfrm>
+          <a:prstGeom prst="rect">
+            <a:avLst/>
+          </a:prstGeom>
+          <a:noFill/>
+        </p:spPr>
+        <p:txBody>
+          <a:bodyPr wrap="square" rtlCol="0">
+            <a:spAutoFit/>
+          </a:bodyPr>
+          <a:lstStyle/>
+          <a:p>
+            <a:pPr algn="ctr"/>
+            <a:r>
+              <a:rPr lang="en-NL" sz="2800" dirty="0"/>
+              <a:t>Parameter set 2:</a:t>
+            </a:r>
+          </a:p>
+          <a:p>
+            <a:pPr algn="ctr"/>
+            <a:r>
+              <a:rPr lang="en-NL" sz="2800" dirty="0"/>
+              <a:t>T=0.1, P=0.8, I=0.05, S=0.005, C=0</a:t>
+            </a:r>
+          </a:p>
+        </p:txBody>
+      </p:sp>
+      <p:sp>
+        <p:nvSpPr>
+          <p:cNvPr id="12" name="TextBox 11">
+            <a:extLst>
+              <a:ext uri="{FF2B5EF4-FFF2-40B4-BE49-F238E27FC236}">
+                <a16:creationId xmlns:a16="http://schemas.microsoft.com/office/drawing/2014/main" id="{02B5A1D0-7E90-D8AC-AA02-2CEB54A0F084}"/>
+              </a:ext>
+            </a:extLst>
+          </p:cNvPr>
+          <p:cNvSpPr txBox="1"/>
+          <p:nvPr/>
+        </p:nvSpPr>
+        <p:spPr>
+          <a:xfrm>
+            <a:off x="21917502" y="41323961"/>
+            <a:ext cx="7141182" cy="954107"/>
+          </a:xfrm>
+          <a:prstGeom prst="rect">
+            <a:avLst/>
+          </a:prstGeom>
+          <a:noFill/>
+        </p:spPr>
+        <p:txBody>
+          <a:bodyPr wrap="square" rtlCol="0">
+            <a:spAutoFit/>
+          </a:bodyPr>
+          <a:lstStyle/>
+          <a:p>
+            <a:pPr algn="ctr"/>
+            <a:r>
+              <a:rPr lang="en-NL" sz="2800" dirty="0"/>
+              <a:t>Parameter set 3:</a:t>
+            </a:r>
+          </a:p>
+          <a:p>
+            <a:pPr algn="ctr"/>
+            <a:r>
+              <a:rPr lang="en-NL" sz="2800" dirty="0"/>
+              <a:t>T=0.1, P=0.8, I=0.05, S=0.005, C=0.05</a:t>
+            </a:r>
+          </a:p>
+        </p:txBody>
+      </p:sp>
+      <p:sp>
+        <p:nvSpPr>
+          <p:cNvPr id="13" name="TextBox 12">
+            <a:extLst>
+              <a:ext uri="{FF2B5EF4-FFF2-40B4-BE49-F238E27FC236}">
+                <a16:creationId xmlns:a16="http://schemas.microsoft.com/office/drawing/2014/main" id="{102D3075-933F-45FD-FDFB-367B57F75AF3}"/>
+              </a:ext>
+            </a:extLst>
+          </p:cNvPr>
+          <p:cNvSpPr txBox="1"/>
+          <p:nvPr/>
+        </p:nvSpPr>
+        <p:spPr>
+          <a:xfrm>
+            <a:off x="17883386" y="5744392"/>
+            <a:ext cx="9772650" cy="4154984"/>
+          </a:xfrm>
+          <a:prstGeom prst="rect">
+            <a:avLst/>
+          </a:prstGeom>
+          <a:noFill/>
+        </p:spPr>
+        <p:txBody>
+          <a:bodyPr wrap="square" rtlCol="0">
+            <a:spAutoFit/>
+          </a:bodyPr>
+          <a:lstStyle/>
+          <a:p>
+            <a:r>
+              <a:rPr lang="en-NL" sz="4400" dirty="0"/>
+              <a:t>Parameters:</a:t>
+            </a:r>
+          </a:p>
+          <a:p>
+            <a:pPr marL="571500" indent="-571500">
+              <a:buFont typeface="Arial" panose="020B0604020202020204" pitchFamily="34" charset="0"/>
+              <a:buChar char="•"/>
+            </a:pPr>
+            <a:r>
+              <a:rPr lang="en-GB" sz="4400" dirty="0"/>
+              <a:t>T – threshold</a:t>
+            </a:r>
+          </a:p>
+          <a:p>
+            <a:pPr marL="571500" indent="-571500">
+              <a:buFont typeface="Arial" panose="020B0604020202020204" pitchFamily="34" charset="0"/>
+              <a:buChar char="•"/>
+            </a:pPr>
+            <a:r>
+              <a:rPr lang="en-GB" sz="4400" dirty="0"/>
+              <a:t>P – profile</a:t>
+            </a:r>
+          </a:p>
+          <a:p>
+            <a:pPr marL="571500" indent="-571500">
+              <a:buFont typeface="Arial" panose="020B0604020202020204" pitchFamily="34" charset="0"/>
+              <a:buChar char="•"/>
+            </a:pPr>
+            <a:r>
+              <a:rPr lang="en-GB" sz="4400" dirty="0"/>
+              <a:t>I – immunization probability</a:t>
+            </a:r>
+          </a:p>
+          <a:p>
+            <a:pPr marL="571500" indent="-571500">
+              <a:buFont typeface="Arial" panose="020B0604020202020204" pitchFamily="34" charset="0"/>
+              <a:buChar char="•"/>
+            </a:pPr>
+            <a:r>
+              <a:rPr lang="en-GB" sz="4400" dirty="0"/>
+              <a:t>S – spontaneous adoption probability</a:t>
+            </a:r>
+          </a:p>
+          <a:p>
+            <a:pPr marL="571500" indent="-571500">
+              <a:buFont typeface="Arial" panose="020B0604020202020204" pitchFamily="34" charset="0"/>
+              <a:buChar char="•"/>
+            </a:pPr>
+            <a:r>
+              <a:rPr lang="en-GB" sz="4400" dirty="0"/>
+              <a:t>C – cure probability</a:t>
+            </a:r>
+            <a:endParaRPr lang="en-NL" sz="4400" dirty="0"/>
           </a:p>
         </p:txBody>
       </p:sp>
